--- a/lectures/10-Software.pptx
+++ b/lectures/10-Software.pptx
@@ -9,7 +9,7 @@
   </p:notesMasterIdLst>
   <p:sldIdLst>
     <p:sldId id="256" r:id="rId2"/>
-    <p:sldId id="334" r:id="rId3"/>
+    <p:sldId id="335" r:id="rId3"/>
     <p:sldId id="328" r:id="rId4"/>
     <p:sldId id="331" r:id="rId5"/>
     <p:sldId id="330" r:id="rId6"/>
@@ -205,7 +205,7 @@
           <a:p>
             <a:fld id="{1C74C8C0-0C1E-D447-A6DA-5BF9E732D1EF}" type="datetimeFigureOut">
               <a:rPr lang="en-US" smtClean="0"/>
-              <a:t>4/8/25</a:t>
+              <a:t>8/26/25</a:t>
             </a:fld>
             <a:endParaRPr lang="en-US"/>
           </a:p>
@@ -703,7 +703,7 @@
           <a:p>
             <a:fld id="{D5D8E255-8371-B349-B2F5-F8C6C9FF431B}" type="datetimeFigureOut">
               <a:rPr lang="en-US" smtClean="0"/>
-              <a:t>4/8/25</a:t>
+              <a:t>8/26/25</a:t>
             </a:fld>
             <a:endParaRPr lang="en-US"/>
           </a:p>
@@ -901,7 +901,7 @@
           <a:p>
             <a:fld id="{D5D8E255-8371-B349-B2F5-F8C6C9FF431B}" type="datetimeFigureOut">
               <a:rPr lang="en-US" smtClean="0"/>
-              <a:t>4/8/25</a:t>
+              <a:t>8/26/25</a:t>
             </a:fld>
             <a:endParaRPr lang="en-US"/>
           </a:p>
@@ -1109,7 +1109,7 @@
           <a:p>
             <a:fld id="{D5D8E255-8371-B349-B2F5-F8C6C9FF431B}" type="datetimeFigureOut">
               <a:rPr lang="en-US" smtClean="0"/>
-              <a:t>4/8/25</a:t>
+              <a:t>8/26/25</a:t>
             </a:fld>
             <a:endParaRPr lang="en-US"/>
           </a:p>
@@ -1307,7 +1307,7 @@
           <a:p>
             <a:fld id="{D5D8E255-8371-B349-B2F5-F8C6C9FF431B}" type="datetimeFigureOut">
               <a:rPr lang="en-US" smtClean="0"/>
-              <a:t>4/8/25</a:t>
+              <a:t>8/26/25</a:t>
             </a:fld>
             <a:endParaRPr lang="en-US"/>
           </a:p>
@@ -1582,7 +1582,7 @@
           <a:p>
             <a:fld id="{D5D8E255-8371-B349-B2F5-F8C6C9FF431B}" type="datetimeFigureOut">
               <a:rPr lang="en-US" smtClean="0"/>
-              <a:t>4/8/25</a:t>
+              <a:t>8/26/25</a:t>
             </a:fld>
             <a:endParaRPr lang="en-US"/>
           </a:p>
@@ -1847,7 +1847,7 @@
           <a:p>
             <a:fld id="{D5D8E255-8371-B349-B2F5-F8C6C9FF431B}" type="datetimeFigureOut">
               <a:rPr lang="en-US" smtClean="0"/>
-              <a:t>4/8/25</a:t>
+              <a:t>8/26/25</a:t>
             </a:fld>
             <a:endParaRPr lang="en-US"/>
           </a:p>
@@ -2259,7 +2259,7 @@
           <a:p>
             <a:fld id="{D5D8E255-8371-B349-B2F5-F8C6C9FF431B}" type="datetimeFigureOut">
               <a:rPr lang="en-US" smtClean="0"/>
-              <a:t>4/8/25</a:t>
+              <a:t>8/26/25</a:t>
             </a:fld>
             <a:endParaRPr lang="en-US"/>
           </a:p>
@@ -2400,7 +2400,7 @@
           <a:p>
             <a:fld id="{D5D8E255-8371-B349-B2F5-F8C6C9FF431B}" type="datetimeFigureOut">
               <a:rPr lang="en-US" smtClean="0"/>
-              <a:t>4/8/25</a:t>
+              <a:t>8/26/25</a:t>
             </a:fld>
             <a:endParaRPr lang="en-US"/>
           </a:p>
@@ -2513,7 +2513,7 @@
           <a:p>
             <a:fld id="{D5D8E255-8371-B349-B2F5-F8C6C9FF431B}" type="datetimeFigureOut">
               <a:rPr lang="en-US" smtClean="0"/>
-              <a:t>4/8/25</a:t>
+              <a:t>8/26/25</a:t>
             </a:fld>
             <a:endParaRPr lang="en-US"/>
           </a:p>
@@ -2824,7 +2824,7 @@
           <a:p>
             <a:fld id="{D5D8E255-8371-B349-B2F5-F8C6C9FF431B}" type="datetimeFigureOut">
               <a:rPr lang="en-US" smtClean="0"/>
-              <a:t>4/8/25</a:t>
+              <a:t>8/26/25</a:t>
             </a:fld>
             <a:endParaRPr lang="en-US"/>
           </a:p>
@@ -3112,7 +3112,7 @@
           <a:p>
             <a:fld id="{D5D8E255-8371-B349-B2F5-F8C6C9FF431B}" type="datetimeFigureOut">
               <a:rPr lang="en-US" smtClean="0"/>
-              <a:t>4/8/25</a:t>
+              <a:t>8/26/25</a:t>
             </a:fld>
             <a:endParaRPr lang="en-US"/>
           </a:p>
@@ -3353,7 +3353,7 @@
           <a:p>
             <a:fld id="{D5D8E255-8371-B349-B2F5-F8C6C9FF431B}" type="datetimeFigureOut">
               <a:rPr lang="en-US" smtClean="0"/>
-              <a:t>4/8/25</a:t>
+              <a:t>8/26/25</a:t>
             </a:fld>
             <a:endParaRPr lang="en-US"/>
           </a:p>
@@ -3878,7 +3878,7 @@
           <p:cNvPr id="2" name="Title 1">
             <a:extLst>
               <a:ext uri="{FF2B5EF4-FFF2-40B4-BE49-F238E27FC236}">
-                <a16:creationId xmlns:a16="http://schemas.microsoft.com/office/drawing/2014/main" id="{09AB364A-BD83-EF2C-87F0-F771A1DBC725}"/>
+                <a16:creationId xmlns:a16="http://schemas.microsoft.com/office/drawing/2014/main" id="{20FDFABE-D154-45C4-EB89-20D893B81C5D}"/>
               </a:ext>
             </a:extLst>
           </p:cNvPr>
@@ -3896,7 +3896,7 @@
           <a:p>
             <a:r>
               <a:rPr lang="en-US" dirty="0"/>
-              <a:t>Outline </a:t>
+              <a:t>Outline</a:t>
             </a:r>
           </a:p>
         </p:txBody>
@@ -3906,7 +3906,7 @@
           <p:cNvPr id="3" name="Content Placeholder 2">
             <a:extLst>
               <a:ext uri="{FF2B5EF4-FFF2-40B4-BE49-F238E27FC236}">
-                <a16:creationId xmlns:a16="http://schemas.microsoft.com/office/drawing/2014/main" id="{8520BF61-9935-A27D-1DFC-01E97268AC6D}"/>
+                <a16:creationId xmlns:a16="http://schemas.microsoft.com/office/drawing/2014/main" id="{18099695-6C39-025A-08B9-9646655C0955}"/>
               </a:ext>
             </a:extLst>
           </p:cNvPr>
@@ -3919,67 +3919,84 @@
         </p:nvSpPr>
         <p:spPr/>
         <p:txBody>
-          <a:bodyPr/>
+          <a:bodyPr>
+            <a:normAutofit fontScale="92500" lnSpcReduction="20000"/>
+          </a:bodyPr>
           <a:lstStyle/>
           <a:p>
             <a:r>
               <a:rPr lang="en-US" dirty="0"/>
-              <a:t>Special Purpose</a:t>
-            </a:r>
-          </a:p>
-          <a:p>
-            <a:pPr lvl="1"/>
+              <a:t>Turing Machine</a:t>
+            </a:r>
+          </a:p>
+          <a:p>
             <a:r>
               <a:rPr lang="en-US" dirty="0"/>
-              <a:t>Mechanical Multipliers</a:t>
-            </a:r>
-          </a:p>
-          <a:p>
-            <a:pPr lvl="1"/>
+              <a:t>Wires on a "board"</a:t>
+            </a:r>
+          </a:p>
+          <a:p>
             <a:r>
               <a:rPr lang="en-US" dirty="0"/>
-              <a:t>Babbage Difference Engine</a:t>
-            </a:r>
-          </a:p>
-          <a:p>
+              <a:t>Paper Tape</a:t>
+            </a:r>
+          </a:p>
+          <a:p>
+            <a:r>
+              <a:rPr lang="en-US" dirty="0"/>
+              <a:t>Compiler process</a:t>
+            </a:r>
+          </a:p>
+          <a:p>
+            <a:r>
+              <a:rPr lang="en-US" dirty="0"/>
+              <a:t>JVM</a:t>
+            </a:r>
+          </a:p>
+          <a:p>
+            <a:r>
+              <a:rPr lang="en-US" dirty="0"/>
+              <a:t>WASM</a:t>
+            </a:r>
+          </a:p>
+          <a:p>
+            <a:r>
+              <a:rPr lang="en-US" dirty="0"/>
+              <a:t>Emulators – Game Emulators</a:t>
+            </a:r>
+          </a:p>
+          <a:p>
+            <a:r>
+              <a:rPr lang="en-US" dirty="0"/>
+              <a:t>Virtual Machines</a:t>
+            </a:r>
+          </a:p>
+          <a:p>
+            <a:r>
+              <a:rPr lang="en-US" dirty="0"/>
+              <a:t>Compile / Interpret</a:t>
+            </a:r>
+          </a:p>
+          <a:p>
+            <a:r>
+              <a:rPr lang="en-US" dirty="0" err="1"/>
+              <a:t>Hexdump</a:t>
+            </a:r>
             <a:r>
               <a:rPr lang="en-US"/>
-              <a:t>Electromecha</a:t>
-            </a:r>
-          </a:p>
-          <a:p>
-            <a:r>
-              <a:rPr lang="en-US" dirty="0"/>
-              <a:t>Electronic Computers – Tubes (Colossus)</a:t>
-            </a:r>
-          </a:p>
-          <a:p>
-            <a:r>
-              <a:rPr lang="en-US" dirty="0"/>
-              <a:t>Computers (a.k.a. "one who computes")</a:t>
-            </a:r>
-          </a:p>
-          <a:p>
+              <a:t> various files</a:t>
+            </a:r>
             <a:endParaRPr lang="en-US" dirty="0"/>
           </a:p>
           <a:p>
-            <a:r>
-              <a:rPr lang="en-US" dirty="0"/>
-              <a:t>Solid State Computers – Thousands of transistors (PDP-1)</a:t>
-            </a:r>
-          </a:p>
-          <a:p>
-            <a:r>
-              <a:rPr lang="en-US" dirty="0"/>
-              <a:t>Modern Very Large Scale Integration (billions of transistors) </a:t>
-            </a:r>
+            <a:endParaRPr lang="en-US" dirty="0"/>
           </a:p>
         </p:txBody>
       </p:sp>
     </p:spTree>
     <p:extLst>
       <p:ext uri="{BB962C8B-B14F-4D97-AF65-F5344CB8AC3E}">
-        <p14:creationId xmlns:p14="http://schemas.microsoft.com/office/powerpoint/2010/main" val="666961938"/>
+        <p14:creationId xmlns:p14="http://schemas.microsoft.com/office/powerpoint/2010/main" val="3902059156"/>
       </p:ext>
     </p:extLst>
   </p:cSld>
@@ -4068,12 +4085,6 @@
             <a:normAutofit/>
           </a:bodyPr>
           <a:lstStyle/>
-          <a:p>
-            <a:r>
-              <a:rPr lang="en-US" dirty="0"/>
-              <a:t>Homage to the concept of a "Turing Machine" </a:t>
-            </a:r>
-          </a:p>
           <a:p>
             <a:r>
               <a:rPr lang="en-US" dirty="0"/>
@@ -4430,7 +4441,7 @@
               <a:rPr lang="en-US" dirty="0">
                 <a:sym typeface="Wingdings" pitchFamily="2" charset="2"/>
               </a:rPr>
-              <a:t>Store character 42</a:t>
+              <a:t>Store character 42 (*)</a:t>
             </a:r>
             <a:endParaRPr lang="en-US" dirty="0"/>
           </a:p>
